--- a/slides/Tn_EV_Charging.pptx
+++ b/slides/Tn_EV_Charging.pptx
@@ -4686,6 +4686,12 @@
               <a:t>The “in between” areas need to be filled in with more chargers as the major networks like Tesla and Electrify America expand. </a:t>
             </a:r>
           </a:p>
+          <a:p>
+            <a:r>
+              <a:rPr lang="en-US" sz="2000" dirty="0"/>
+              <a:t>More needs to be done to standardize plug to a standard, probably CCS, so that all cars can use all chargers without adapters.</a:t>
+            </a:r>
+          </a:p>
         </p:txBody>
       </p:sp>
     </p:spTree>
@@ -7260,6 +7266,16 @@
             <a:r>
               <a:rPr lang="en-US" sz="2000" dirty="0"/>
               <a:t>Level 3 charging – Also known as DC fast charging. From 50 – 300 kW. Can fully charge most EV’s in less than an hour at the high end. 150kW and 250kW are the most common and can give 40-50% charge in 15-20 minutes.</a:t>
+            </a:r>
+          </a:p>
+          <a:p>
+            <a:pPr marL="457200" indent="-457200">
+              <a:buFont typeface="+mj-lt"/>
+              <a:buAutoNum type="arabicPeriod"/>
+            </a:pPr>
+            <a:r>
+              <a:rPr lang="en-US" sz="2000" dirty="0"/>
+              <a:t>3 main connectors in use for level 3 charging are Tesla, CCS-1, and CHAdeMO. Tesla and CHAdeMO are proprietary to Tesla and Nissan respectively. CCS in an international standard.</a:t>
             </a:r>
           </a:p>
         </p:txBody>

--- a/slides/Tn_EV_Charging.pptx
+++ b/slides/Tn_EV_Charging.pptx
@@ -6673,7 +6673,15 @@
             </a:pPr>
             <a:r>
               <a:rPr lang="en-US" sz="1200" dirty="0"/>
-              <a:t>What is the current state of public charging networks in this country and how are they growing</a:t>
+              <a:t>What is the current state of public charging networks in </a:t>
+            </a:r>
+            <a:r>
+              <a:rPr lang="en-US" sz="1200"/>
+              <a:t>this state </a:t>
+            </a:r>
+            <a:r>
+              <a:rPr lang="en-US" sz="1200" dirty="0"/>
+              <a:t>and how are they growing</a:t>
             </a:r>
           </a:p>
           <a:p>

--- a/slides/Tn_EV_Charging.pptx
+++ b/slides/Tn_EV_Charging.pptx
@@ -6673,15 +6673,7 @@
             </a:pPr>
             <a:r>
               <a:rPr lang="en-US" sz="1200" dirty="0"/>
-              <a:t>What is the current state of public charging networks in </a:t>
-            </a:r>
-            <a:r>
-              <a:rPr lang="en-US" sz="1200"/>
-              <a:t>this state </a:t>
-            </a:r>
-            <a:r>
-              <a:rPr lang="en-US" sz="1200" dirty="0"/>
-              <a:t>and how are they growing</a:t>
+              <a:t>What is the current state of public charging networks in this state and how are they growing</a:t>
             </a:r>
           </a:p>
           <a:p>
@@ -7263,7 +7255,7 @@
             </a:pPr>
             <a:r>
               <a:rPr lang="en-US" sz="2000" dirty="0"/>
-              <a:t>Level 2 charging – 240V up to 60 Amps. Can add a full charge to most EV’s in 9-10 hours</a:t>
+              <a:t>Level 2 charging – 240V up to 60 Amps. Can add around 30 miles of charge per hour</a:t>
             </a:r>
           </a:p>
           <a:p>
@@ -7273,7 +7265,7 @@
             </a:pPr>
             <a:r>
               <a:rPr lang="en-US" sz="2000" dirty="0"/>
-              <a:t>Level 3 charging – Also known as DC fast charging. From 50 – 300 kW. Can fully charge most EV’s in less than an hour at the high end. 150kW and 250kW are the most common and can give 40-50% charge in 15-20 minutes.</a:t>
+              <a:t>Level 3 charging – Also known as DC fast charging. From 50 – 300 kW. Can give 3-20 miles of range per minute</a:t>
             </a:r>
           </a:p>
           <a:p>
@@ -7283,7 +7275,15 @@
             </a:pPr>
             <a:r>
               <a:rPr lang="en-US" sz="2000" dirty="0"/>
-              <a:t>3 main connectors in use for level 3 charging are Tesla, CCS-1, and CHAdeMO. Tesla and CHAdeMO are proprietary to Tesla and Nissan respectively. CCS in an international standard.</a:t>
+              <a:t>3 main connectors in use for level 3 charging are Tesla, CCS-1, and CHAdeMO. Tesla is proprietary, CHAdeMO is an Asian standard used mainly by Nissan and Mitsubishi in </a:t>
+            </a:r>
+            <a:r>
+              <a:rPr lang="en-US" sz="2000"/>
+              <a:t>the US. </a:t>
+            </a:r>
+            <a:r>
+              <a:rPr lang="en-US" sz="2000" dirty="0"/>
+              <a:t>CCS in an international standard.</a:t>
             </a:r>
           </a:p>
         </p:txBody>

--- a/slides/Tn_EV_Charging.pptx
+++ b/slides/Tn_EV_Charging.pptx
@@ -16,7 +16,6 @@
     <p:sldId id="262" r:id="rId13"/>
     <p:sldId id="268" r:id="rId14"/>
     <p:sldId id="264" r:id="rId15"/>
-    <p:sldId id="265" r:id="rId16"/>
   </p:sldIdLst>
   <p:sldSz cx="12192000" cy="6858000"/>
   <p:notesSz cx="6858000" cy="9144000"/>
@@ -5196,491 +5195,6 @@
 </p:sld>
 </file>
 
-<file path=ppt/slides/slide12.xml><?xml version="1.0" encoding="utf-8"?>
-<p:sld xmlns:a="http://schemas.openxmlformats.org/drawingml/2006/main" xmlns:r="http://schemas.openxmlformats.org/officeDocument/2006/relationships" xmlns:p="http://schemas.openxmlformats.org/presentationml/2006/main">
-  <p:cSld>
-    <p:bg>
-      <p:bgPr>
-        <a:solidFill>
-          <a:schemeClr val="bg1"/>
-        </a:solidFill>
-        <a:effectLst/>
-      </p:bgPr>
-    </p:bg>
-    <p:spTree>
-      <p:nvGrpSpPr>
-        <p:cNvPr id="1" name=""/>
-        <p:cNvGrpSpPr/>
-        <p:nvPr/>
-      </p:nvGrpSpPr>
-      <p:grpSpPr>
-        <a:xfrm>
-          <a:off x="0" y="0"/>
-          <a:ext cx="0" cy="0"/>
-          <a:chOff x="0" y="0"/>
-          <a:chExt cx="0" cy="0"/>
-        </a:xfrm>
-      </p:grpSpPr>
-      <p:sp useBgFill="1">
-        <p:nvSpPr>
-          <p:cNvPr id="8" name="Rectangle 7">
-            <a:extLst>
-              <a:ext uri="{FF2B5EF4-FFF2-40B4-BE49-F238E27FC236}">
-                <a16:creationId xmlns:a16="http://schemas.microsoft.com/office/drawing/2014/main" id="{1B15ED52-F352-441B-82BF-E0EA34836D08}"/>
-              </a:ext>
-              <a:ext uri="{C183D7F6-B498-43B3-948B-1728B52AA6E4}">
-                <adec:decorative xmlns:adec="http://schemas.microsoft.com/office/drawing/2017/decorative" val="1"/>
-              </a:ext>
-            </a:extLst>
-          </p:cNvPr>
-          <p:cNvSpPr>
-            <a:spLocks noGrp="1" noRot="1" noChangeAspect="1" noMove="1" noResize="1" noEditPoints="1" noAdjustHandles="1" noChangeArrowheads="1" noChangeShapeType="1" noTextEdit="1"/>
-          </p:cNvSpPr>
-          <p:nvPr>
-            <p:extLst>
-              <p:ext uri="{386F3935-93C4-4BCD-93E2-E3B085C9AB24}">
-                <p16:designElem xmlns:p16="http://schemas.microsoft.com/office/powerpoint/2015/main" val="1"/>
-              </p:ext>
-            </p:extLst>
-          </p:nvPr>
-        </p:nvSpPr>
-        <p:spPr>
-          <a:xfrm>
-            <a:off x="0" y="0"/>
-            <a:ext cx="12192000" cy="6858000"/>
-          </a:xfrm>
-          <a:prstGeom prst="rect">
-            <a:avLst/>
-          </a:prstGeom>
-          <a:ln w="12700" cap="flat" cmpd="sng" algn="ctr">
-            <a:noFill/>
-            <a:prstDash val="solid"/>
-            <a:miter lim="800000"/>
-          </a:ln>
-          <a:effectLst/>
-          <a:extLst>
-            <a:ext uri="{91240B29-F687-4F45-9708-019B960494DF}">
-              <a14:hiddenLine xmlns:a14="http://schemas.microsoft.com/office/drawing/2010/main" w="12700" cap="flat" cmpd="sng" algn="ctr">
-                <a:solidFill>
-                  <a:schemeClr val="accent1">
-                    <a:shade val="50000"/>
-                  </a:schemeClr>
-                </a:solidFill>
-                <a:prstDash val="solid"/>
-                <a:miter lim="800000"/>
-              </a14:hiddenLine>
-            </a:ext>
-          </a:extLst>
-        </p:spPr>
-        <p:style>
-          <a:lnRef idx="2">
-            <a:schemeClr val="accent1">
-              <a:shade val="50000"/>
-            </a:schemeClr>
-          </a:lnRef>
-          <a:fillRef idx="1">
-            <a:schemeClr val="accent1"/>
-          </a:fillRef>
-          <a:effectRef idx="0">
-            <a:schemeClr val="accent1"/>
-          </a:effectRef>
-          <a:fontRef idx="minor">
-            <a:schemeClr val="lt1"/>
-          </a:fontRef>
-        </p:style>
-        <p:txBody>
-          <a:bodyPr rtlCol="0" anchor="ctr"/>
-          <a:lstStyle/>
-          <a:p>
-            <a:pPr algn="ctr"/>
-            <a:endParaRPr lang="en-US"/>
-          </a:p>
-        </p:txBody>
-      </p:sp>
-      <p:sp>
-        <p:nvSpPr>
-          <p:cNvPr id="10" name="Rectangle 9">
-            <a:extLst>
-              <a:ext uri="{FF2B5EF4-FFF2-40B4-BE49-F238E27FC236}">
-                <a16:creationId xmlns:a16="http://schemas.microsoft.com/office/drawing/2014/main" id="{3B2E3793-BFE6-45A2-9B7B-E18844431C99}"/>
-              </a:ext>
-              <a:ext uri="{C183D7F6-B498-43B3-948B-1728B52AA6E4}">
-                <adec:decorative xmlns:adec="http://schemas.microsoft.com/office/drawing/2017/decorative" val="1"/>
-              </a:ext>
-            </a:extLst>
-          </p:cNvPr>
-          <p:cNvSpPr>
-            <a:spLocks noGrp="1" noRot="1" noChangeAspect="1" noMove="1" noResize="1" noEditPoints="1" noAdjustHandles="1" noChangeArrowheads="1" noChangeShapeType="1" noTextEdit="1"/>
-          </p:cNvSpPr>
-          <p:nvPr>
-            <p:extLst>
-              <p:ext uri="{386F3935-93C4-4BCD-93E2-E3B085C9AB24}">
-                <p16:designElem xmlns:p16="http://schemas.microsoft.com/office/powerpoint/2015/main" val="1"/>
-              </p:ext>
-            </p:extLst>
-          </p:nvPr>
-        </p:nvSpPr>
-        <p:spPr>
-          <a:xfrm flipH="1">
-            <a:off x="-1" y="-1"/>
-            <a:ext cx="12191998" cy="1590742"/>
-          </a:xfrm>
-          <a:prstGeom prst="rect">
-            <a:avLst/>
-          </a:prstGeom>
-          <a:gradFill>
-            <a:gsLst>
-              <a:gs pos="0">
-                <a:srgbClr val="000000"/>
-              </a:gs>
-              <a:gs pos="100000">
-                <a:schemeClr val="accent1">
-                  <a:lumMod val="75000"/>
-                </a:schemeClr>
-              </a:gs>
-            </a:gsLst>
-            <a:lin ang="8400000" scaled="0"/>
-          </a:gradFill>
-          <a:ln>
-            <a:noFill/>
-          </a:ln>
-        </p:spPr>
-        <p:style>
-          <a:lnRef idx="2">
-            <a:schemeClr val="accent1">
-              <a:shade val="50000"/>
-            </a:schemeClr>
-          </a:lnRef>
-          <a:fillRef idx="1">
-            <a:schemeClr val="accent1"/>
-          </a:fillRef>
-          <a:effectRef idx="0">
-            <a:schemeClr val="accent1"/>
-          </a:effectRef>
-          <a:fontRef idx="minor">
-            <a:schemeClr val="lt1"/>
-          </a:fontRef>
-        </p:style>
-        <p:txBody>
-          <a:bodyPr rtlCol="0" anchor="ctr"/>
-          <a:lstStyle/>
-          <a:p>
-            <a:pPr algn="ctr"/>
-            <a:endParaRPr lang="en-US"/>
-          </a:p>
-        </p:txBody>
-      </p:sp>
-      <p:sp>
-        <p:nvSpPr>
-          <p:cNvPr id="12" name="Rectangle 11">
-            <a:extLst>
-              <a:ext uri="{FF2B5EF4-FFF2-40B4-BE49-F238E27FC236}">
-                <a16:creationId xmlns:a16="http://schemas.microsoft.com/office/drawing/2014/main" id="{BC4C4868-CB8F-4AF9-9CDB-8108F2C19B67}"/>
-              </a:ext>
-              <a:ext uri="{C183D7F6-B498-43B3-948B-1728B52AA6E4}">
-                <adec:decorative xmlns:adec="http://schemas.microsoft.com/office/drawing/2017/decorative" val="1"/>
-              </a:ext>
-            </a:extLst>
-          </p:cNvPr>
-          <p:cNvSpPr>
-            <a:spLocks noGrp="1" noRot="1" noChangeAspect="1" noMove="1" noResize="1" noEditPoints="1" noAdjustHandles="1" noChangeArrowheads="1" noChangeShapeType="1" noTextEdit="1"/>
-          </p:cNvSpPr>
-          <p:nvPr>
-            <p:extLst>
-              <p:ext uri="{386F3935-93C4-4BCD-93E2-E3B085C9AB24}">
-                <p16:designElem xmlns:p16="http://schemas.microsoft.com/office/powerpoint/2015/main" val="1"/>
-              </p:ext>
-            </p:extLst>
-          </p:nvPr>
-        </p:nvSpPr>
-        <p:spPr>
-          <a:xfrm rot="10800000" flipH="1">
-            <a:off x="-3" y="0"/>
-            <a:ext cx="8115306" cy="1590742"/>
-          </a:xfrm>
-          <a:prstGeom prst="rect">
-            <a:avLst/>
-          </a:prstGeom>
-          <a:gradFill>
-            <a:gsLst>
-              <a:gs pos="20000">
-                <a:schemeClr val="accent1">
-                  <a:alpha val="0"/>
-                </a:schemeClr>
-              </a:gs>
-              <a:gs pos="100000">
-                <a:schemeClr val="accent1">
-                  <a:lumMod val="50000"/>
-                  <a:alpha val="55000"/>
-                </a:schemeClr>
-              </a:gs>
-            </a:gsLst>
-            <a:lin ang="13800000" scaled="0"/>
-          </a:gradFill>
-          <a:ln>
-            <a:noFill/>
-          </a:ln>
-        </p:spPr>
-        <p:style>
-          <a:lnRef idx="2">
-            <a:schemeClr val="accent1">
-              <a:shade val="50000"/>
-            </a:schemeClr>
-          </a:lnRef>
-          <a:fillRef idx="1">
-            <a:schemeClr val="accent1"/>
-          </a:fillRef>
-          <a:effectRef idx="0">
-            <a:schemeClr val="accent1"/>
-          </a:effectRef>
-          <a:fontRef idx="minor">
-            <a:schemeClr val="lt1"/>
-          </a:fontRef>
-        </p:style>
-        <p:txBody>
-          <a:bodyPr rtlCol="0" anchor="ctr"/>
-          <a:lstStyle/>
-          <a:p>
-            <a:pPr algn="ctr"/>
-            <a:endParaRPr lang="en-US"/>
-          </a:p>
-        </p:txBody>
-      </p:sp>
-      <p:sp>
-        <p:nvSpPr>
-          <p:cNvPr id="14" name="Rectangle 13">
-            <a:extLst>
-              <a:ext uri="{FF2B5EF4-FFF2-40B4-BE49-F238E27FC236}">
-                <a16:creationId xmlns:a16="http://schemas.microsoft.com/office/drawing/2014/main" id="{375E0459-6403-40CD-989D-56A4407CA12E}"/>
-              </a:ext>
-              <a:ext uri="{C183D7F6-B498-43B3-948B-1728B52AA6E4}">
-                <adec:decorative xmlns:adec="http://schemas.microsoft.com/office/drawing/2017/decorative" val="1"/>
-              </a:ext>
-            </a:extLst>
-          </p:cNvPr>
-          <p:cNvSpPr>
-            <a:spLocks noGrp="1" noRot="1" noChangeAspect="1" noMove="1" noResize="1" noEditPoints="1" noAdjustHandles="1" noChangeArrowheads="1" noChangeShapeType="1" noTextEdit="1"/>
-          </p:cNvSpPr>
-          <p:nvPr>
-            <p:extLst>
-              <p:ext uri="{386F3935-93C4-4BCD-93E2-E3B085C9AB24}">
-                <p16:designElem xmlns:p16="http://schemas.microsoft.com/office/powerpoint/2015/main" val="1"/>
-              </p:ext>
-            </p:extLst>
-          </p:nvPr>
-        </p:nvSpPr>
-        <p:spPr>
-          <a:xfrm flipH="1">
-            <a:off x="8115299" y="-1"/>
-            <a:ext cx="4076698" cy="1590742"/>
-          </a:xfrm>
-          <a:prstGeom prst="rect">
-            <a:avLst/>
-          </a:prstGeom>
-          <a:gradFill>
-            <a:gsLst>
-              <a:gs pos="0">
-                <a:schemeClr val="accent1">
-                  <a:alpha val="66000"/>
-                </a:schemeClr>
-              </a:gs>
-              <a:gs pos="100000">
-                <a:srgbClr val="000000">
-                  <a:alpha val="30000"/>
-                </a:srgbClr>
-              </a:gs>
-            </a:gsLst>
-            <a:lin ang="13200000" scaled="0"/>
-          </a:gradFill>
-          <a:ln>
-            <a:noFill/>
-          </a:ln>
-        </p:spPr>
-        <p:style>
-          <a:lnRef idx="2">
-            <a:schemeClr val="accent1">
-              <a:shade val="50000"/>
-            </a:schemeClr>
-          </a:lnRef>
-          <a:fillRef idx="1">
-            <a:schemeClr val="accent1"/>
-          </a:fillRef>
-          <a:effectRef idx="0">
-            <a:schemeClr val="accent1"/>
-          </a:effectRef>
-          <a:fontRef idx="minor">
-            <a:schemeClr val="lt1"/>
-          </a:fontRef>
-        </p:style>
-        <p:txBody>
-          <a:bodyPr rtlCol="0" anchor="ctr"/>
-          <a:lstStyle/>
-          <a:p>
-            <a:pPr algn="ctr"/>
-            <a:endParaRPr lang="en-US"/>
-          </a:p>
-        </p:txBody>
-      </p:sp>
-      <p:sp>
-        <p:nvSpPr>
-          <p:cNvPr id="16" name="Rectangle 15">
-            <a:extLst>
-              <a:ext uri="{FF2B5EF4-FFF2-40B4-BE49-F238E27FC236}">
-                <a16:creationId xmlns:a16="http://schemas.microsoft.com/office/drawing/2014/main" id="{53E5B1A8-3AC9-4BD1-9BBC-78CA94F2D1BA}"/>
-              </a:ext>
-              <a:ext uri="{C183D7F6-B498-43B3-948B-1728B52AA6E4}">
-                <adec:decorative xmlns:adec="http://schemas.microsoft.com/office/drawing/2017/decorative" val="1"/>
-              </a:ext>
-            </a:extLst>
-          </p:cNvPr>
-          <p:cNvSpPr>
-            <a:spLocks noGrp="1" noRot="1" noChangeAspect="1" noMove="1" noResize="1" noEditPoints="1" noAdjustHandles="1" noChangeArrowheads="1" noChangeShapeType="1" noTextEdit="1"/>
-          </p:cNvSpPr>
-          <p:nvPr>
-            <p:extLst>
-              <p:ext uri="{386F3935-93C4-4BCD-93E2-E3B085C9AB24}">
-                <p16:designElem xmlns:p16="http://schemas.microsoft.com/office/powerpoint/2015/main" val="1"/>
-              </p:ext>
-            </p:extLst>
-          </p:nvPr>
-        </p:nvSpPr>
-        <p:spPr>
-          <a:xfrm>
-            <a:off x="459350" y="-1"/>
-            <a:ext cx="11732646" cy="1597433"/>
-          </a:xfrm>
-          <a:prstGeom prst="rect">
-            <a:avLst/>
-          </a:prstGeom>
-          <a:gradFill>
-            <a:gsLst>
-              <a:gs pos="50000">
-                <a:srgbClr val="000000">
-                  <a:alpha val="0"/>
-                </a:srgbClr>
-              </a:gs>
-              <a:gs pos="99000">
-                <a:schemeClr val="accent1">
-                  <a:lumMod val="50000"/>
-                  <a:alpha val="52000"/>
-                </a:schemeClr>
-              </a:gs>
-            </a:gsLst>
-            <a:lin ang="16800000" scaled="0"/>
-          </a:gradFill>
-          <a:ln>
-            <a:noFill/>
-          </a:ln>
-        </p:spPr>
-        <p:style>
-          <a:lnRef idx="2">
-            <a:schemeClr val="accent1">
-              <a:shade val="50000"/>
-            </a:schemeClr>
-          </a:lnRef>
-          <a:fillRef idx="1">
-            <a:schemeClr val="accent1"/>
-          </a:fillRef>
-          <a:effectRef idx="0">
-            <a:schemeClr val="accent1"/>
-          </a:effectRef>
-          <a:fontRef idx="minor">
-            <a:schemeClr val="lt1"/>
-          </a:fontRef>
-        </p:style>
-        <p:txBody>
-          <a:bodyPr rtlCol="0" anchor="ctr"/>
-          <a:lstStyle/>
-          <a:p>
-            <a:pPr algn="ctr"/>
-            <a:endParaRPr lang="en-US"/>
-          </a:p>
-        </p:txBody>
-      </p:sp>
-      <p:sp>
-        <p:nvSpPr>
-          <p:cNvPr id="2" name="Title 1">
-            <a:extLst>
-              <a:ext uri="{FF2B5EF4-FFF2-40B4-BE49-F238E27FC236}">
-                <a16:creationId xmlns:a16="http://schemas.microsoft.com/office/drawing/2014/main" id="{E91EBF13-3CC3-784B-9608-14F00027D1DD}"/>
-              </a:ext>
-            </a:extLst>
-          </p:cNvPr>
-          <p:cNvSpPr>
-            <a:spLocks noGrp="1"/>
-          </p:cNvSpPr>
-          <p:nvPr>
-            <p:ph type="title"/>
-          </p:nvPr>
-        </p:nvSpPr>
-        <p:spPr>
-          <a:xfrm>
-            <a:off x="1371599" y="294538"/>
-            <a:ext cx="9895951" cy="1033669"/>
-          </a:xfrm>
-        </p:spPr>
-        <p:txBody>
-          <a:bodyPr>
-            <a:normAutofit/>
-          </a:bodyPr>
-          <a:lstStyle/>
-          <a:p>
-            <a:r>
-              <a:rPr lang="en-US" sz="4000" dirty="0">
-                <a:solidFill>
-                  <a:srgbClr val="FFFFFF"/>
-                </a:solidFill>
-              </a:rPr>
-              <a:t>References and Sources</a:t>
-            </a:r>
-          </a:p>
-        </p:txBody>
-      </p:sp>
-      <p:sp>
-        <p:nvSpPr>
-          <p:cNvPr id="3" name="Content Placeholder 2">
-            <a:extLst>
-              <a:ext uri="{FF2B5EF4-FFF2-40B4-BE49-F238E27FC236}">
-                <a16:creationId xmlns:a16="http://schemas.microsoft.com/office/drawing/2014/main" id="{4416162C-A89B-E448-8B49-A885973BDCF8}"/>
-              </a:ext>
-            </a:extLst>
-          </p:cNvPr>
-          <p:cNvSpPr>
-            <a:spLocks noGrp="1"/>
-          </p:cNvSpPr>
-          <p:nvPr>
-            <p:ph idx="1"/>
-          </p:nvPr>
-        </p:nvSpPr>
-        <p:spPr>
-          <a:xfrm>
-            <a:off x="1371599" y="2318197"/>
-            <a:ext cx="9724031" cy="3683358"/>
-          </a:xfrm>
-        </p:spPr>
-        <p:txBody>
-          <a:bodyPr anchor="ctr">
-            <a:normAutofit/>
-          </a:bodyPr>
-          <a:lstStyle/>
-          <a:p>
-            <a:endParaRPr lang="en-US" sz="2000"/>
-          </a:p>
-        </p:txBody>
-      </p:sp>
-    </p:spTree>
-    <p:extLst>
-      <p:ext uri="{BB962C8B-B14F-4D97-AF65-F5344CB8AC3E}">
-        <p14:creationId xmlns:p14="http://schemas.microsoft.com/office/powerpoint/2010/main" val="1992560471"/>
-      </p:ext>
-    </p:extLst>
-  </p:cSld>
-  <p:clrMapOvr>
-    <a:masterClrMapping/>
-  </p:clrMapOvr>
-</p:sld>
-</file>
-
 <file path=ppt/slides/slide2.xml><?xml version="1.0" encoding="utf-8"?>
 <p:sld xmlns:a="http://schemas.openxmlformats.org/drawingml/2006/main" xmlns:r="http://schemas.openxmlformats.org/officeDocument/2006/relationships" xmlns:p="http://schemas.openxmlformats.org/presentationml/2006/main">
   <p:cSld>
@@ -7275,15 +6789,7 @@
             </a:pPr>
             <a:r>
               <a:rPr lang="en-US" sz="2000" dirty="0"/>
-              <a:t>3 main connectors in use for level 3 charging are Tesla, CCS-1, and CHAdeMO. Tesla is proprietary, CHAdeMO is an Asian standard used mainly by Nissan and Mitsubishi in </a:t>
-            </a:r>
-            <a:r>
-              <a:rPr lang="en-US" sz="2000"/>
-              <a:t>the US. </a:t>
-            </a:r>
-            <a:r>
-              <a:rPr lang="en-US" sz="2000" dirty="0"/>
-              <a:t>CCS in an international standard.</a:t>
+              <a:t>3 main connectors in use for level 3 charging are Tesla, CCS-1, and CHAdeMO. Tesla is proprietary, CHAdeMO is an Asian standard used mainly by Nissan and Mitsubishi in the US. CCS in an international standard.</a:t>
             </a:r>
           </a:p>
         </p:txBody>
@@ -9076,10 +8582,10 @@
       </p:sp>
       <p:pic>
         <p:nvPicPr>
-          <p:cNvPr id="5" name="Content Placeholder 4">
-            <a:extLst>
-              <a:ext uri="{FF2B5EF4-FFF2-40B4-BE49-F238E27FC236}">
-                <a16:creationId xmlns:a16="http://schemas.microsoft.com/office/drawing/2014/main" id="{1C7B0C62-CB27-8848-ABD4-ED734C8116E2}"/>
+          <p:cNvPr id="9" name="Content Placeholder 8" descr="A map of a city&#10;&#10;Description automatically generated with medium confidence">
+            <a:extLst>
+              <a:ext uri="{FF2B5EF4-FFF2-40B4-BE49-F238E27FC236}">
+                <a16:creationId xmlns:a16="http://schemas.microsoft.com/office/drawing/2014/main" id="{591874C5-3E0C-2B41-85B6-4792A9A1976E}"/>
               </a:ext>
             </a:extLst>
           </p:cNvPr>
@@ -9098,12 +8604,9 @@
         </p:blipFill>
         <p:spPr>
           <a:xfrm>
-            <a:off x="432225" y="2181733"/>
-            <a:ext cx="11327549" cy="4021280"/>
-          </a:xfrm>
-          <a:prstGeom prst="rect">
-            <a:avLst/>
-          </a:prstGeom>
+            <a:off x="679074" y="2676613"/>
+            <a:ext cx="10833847" cy="2907828"/>
+          </a:xfrm>
         </p:spPr>
       </p:pic>
     </p:spTree>
@@ -9491,10 +8994,10 @@
       </p:sp>
       <p:pic>
         <p:nvPicPr>
-          <p:cNvPr id="5" name="Content Placeholder 4" descr="A map of a city&#10;&#10;Description automatically generated with medium confidence">
-            <a:extLst>
-              <a:ext uri="{FF2B5EF4-FFF2-40B4-BE49-F238E27FC236}">
-                <a16:creationId xmlns:a16="http://schemas.microsoft.com/office/drawing/2014/main" id="{ED167C0E-5577-C941-B845-E4155778EE4F}"/>
+          <p:cNvPr id="9" name="Content Placeholder 8" descr="Chart, bubble chart&#10;&#10;Description automatically generated">
+            <a:extLst>
+              <a:ext uri="{FF2B5EF4-FFF2-40B4-BE49-F238E27FC236}">
+                <a16:creationId xmlns:a16="http://schemas.microsoft.com/office/drawing/2014/main" id="{C6BAD3B7-458D-5D43-8EC8-8BE32E4B117C}"/>
               </a:ext>
             </a:extLst>
           </p:cNvPr>
@@ -9513,12 +9016,9 @@
         </p:blipFill>
         <p:spPr>
           <a:xfrm>
-            <a:off x="432225" y="2549878"/>
-            <a:ext cx="11327549" cy="3284989"/>
-          </a:xfrm>
-          <a:prstGeom prst="rect">
-            <a:avLst/>
-          </a:prstGeom>
+            <a:off x="838200" y="2631018"/>
+            <a:ext cx="10515600" cy="2740552"/>
+          </a:xfrm>
         </p:spPr>
       </p:pic>
     </p:spTree>

--- a/slides/Tn_EV_Charging.pptx
+++ b/slides/Tn_EV_Charging.pptx
@@ -4688,7 +4688,7 @@
           <a:p>
             <a:r>
               <a:rPr lang="en-US" sz="2000" dirty="0"/>
-              <a:t>More needs to be done to standardize plug to a standard, probably CCS, so that all cars can use all chargers without adapters.</a:t>
+              <a:t>More needs to be done to standardize plugs to a standard, probably CCS, so that all cars can use all chargers without adapters.</a:t>
             </a:r>
           </a:p>
         </p:txBody>
@@ -9016,8 +9016,8 @@
         </p:blipFill>
         <p:spPr>
           <a:xfrm>
-            <a:off x="838200" y="2631018"/>
-            <a:ext cx="10515600" cy="2740552"/>
+            <a:off x="699713" y="2601311"/>
+            <a:ext cx="11130688" cy="2987566"/>
           </a:xfrm>
         </p:spPr>
       </p:pic>

--- a/slides/Tn_EV_Charging.pptx
+++ b/slides/Tn_EV_Charging.pptx
@@ -14,8 +14,8 @@
     <p:sldId id="261" r:id="rId11"/>
     <p:sldId id="263" r:id="rId12"/>
     <p:sldId id="262" r:id="rId13"/>
-    <p:sldId id="268" r:id="rId14"/>
-    <p:sldId id="264" r:id="rId15"/>
+    <p:sldId id="264" r:id="rId14"/>
+    <p:sldId id="268" r:id="rId15"/>
   </p:sldIdLst>
   <p:sldSz cx="12192000" cy="6858000"/>
   <p:notesSz cx="6858000" cy="9144000"/>
@@ -3980,759 +3980,6 @@
       </p:grpSpPr>
       <p:sp useBgFill="1">
         <p:nvSpPr>
-          <p:cNvPr id="19" name="Rectangle 7">
-            <a:extLst>
-              <a:ext uri="{FF2B5EF4-FFF2-40B4-BE49-F238E27FC236}">
-                <a16:creationId xmlns:a16="http://schemas.microsoft.com/office/drawing/2014/main" id="{09588DA8-065E-4F6F-8EFD-43104AB2E0CF}"/>
-              </a:ext>
-              <a:ext uri="{C183D7F6-B498-43B3-948B-1728B52AA6E4}">
-                <adec:decorative xmlns:adec="http://schemas.microsoft.com/office/drawing/2017/decorative" val="1"/>
-              </a:ext>
-            </a:extLst>
-          </p:cNvPr>
-          <p:cNvSpPr>
-            <a:spLocks noGrp="1" noRot="1" noChangeAspect="1" noMove="1" noResize="1" noEditPoints="1" noAdjustHandles="1" noChangeArrowheads="1" noChangeShapeType="1" noTextEdit="1"/>
-          </p:cNvSpPr>
-          <p:nvPr>
-            <p:extLst>
-              <p:ext uri="{386F3935-93C4-4BCD-93E2-E3B085C9AB24}">
-                <p16:designElem xmlns:p16="http://schemas.microsoft.com/office/powerpoint/2015/main" val="1"/>
-              </p:ext>
-            </p:extLst>
-          </p:nvPr>
-        </p:nvSpPr>
-        <p:spPr>
-          <a:xfrm>
-            <a:off x="0" y="0"/>
-            <a:ext cx="12192000" cy="6858000"/>
-          </a:xfrm>
-          <a:prstGeom prst="rect">
-            <a:avLst/>
-          </a:prstGeom>
-          <a:ln w="12700" cap="flat" cmpd="sng" algn="ctr">
-            <a:noFill/>
-            <a:prstDash val="solid"/>
-            <a:miter lim="800000"/>
-          </a:ln>
-          <a:effectLst/>
-          <a:extLst>
-            <a:ext uri="{91240B29-F687-4F45-9708-019B960494DF}">
-              <a14:hiddenLine xmlns:a14="http://schemas.microsoft.com/office/drawing/2010/main" w="12700" cap="flat" cmpd="sng" algn="ctr">
-                <a:solidFill>
-                  <a:schemeClr val="accent1">
-                    <a:shade val="50000"/>
-                  </a:schemeClr>
-                </a:solidFill>
-                <a:prstDash val="solid"/>
-                <a:miter lim="800000"/>
-              </a14:hiddenLine>
-            </a:ext>
-          </a:extLst>
-        </p:spPr>
-        <p:style>
-          <a:lnRef idx="2">
-            <a:schemeClr val="accent1">
-              <a:shade val="50000"/>
-            </a:schemeClr>
-          </a:lnRef>
-          <a:fillRef idx="1">
-            <a:schemeClr val="accent1"/>
-          </a:fillRef>
-          <a:effectRef idx="0">
-            <a:schemeClr val="accent1"/>
-          </a:effectRef>
-          <a:fontRef idx="minor">
-            <a:schemeClr val="lt1"/>
-          </a:fontRef>
-        </p:style>
-        <p:txBody>
-          <a:bodyPr rtlCol="0" anchor="ctr"/>
-          <a:lstStyle/>
-          <a:p>
-            <a:pPr algn="ctr"/>
-            <a:endParaRPr lang="en-US"/>
-          </a:p>
-        </p:txBody>
-      </p:sp>
-      <p:sp useBgFill="1">
-        <p:nvSpPr>
-          <p:cNvPr id="21" name="Rectangle 9">
-            <a:extLst>
-              <a:ext uri="{FF2B5EF4-FFF2-40B4-BE49-F238E27FC236}">
-                <a16:creationId xmlns:a16="http://schemas.microsoft.com/office/drawing/2014/main" id="{C4285719-470E-454C-AF62-8323075F1F5B}"/>
-              </a:ext>
-              <a:ext uri="{C183D7F6-B498-43B3-948B-1728B52AA6E4}">
-                <adec:decorative xmlns:adec="http://schemas.microsoft.com/office/drawing/2017/decorative" val="1"/>
-              </a:ext>
-            </a:extLst>
-          </p:cNvPr>
-          <p:cNvSpPr>
-            <a:spLocks noGrp="1" noRot="1" noChangeAspect="1" noMove="1" noResize="1" noEditPoints="1" noAdjustHandles="1" noChangeArrowheads="1" noChangeShapeType="1" noTextEdit="1"/>
-          </p:cNvSpPr>
-          <p:nvPr>
-            <p:extLst>
-              <p:ext uri="{386F3935-93C4-4BCD-93E2-E3B085C9AB24}">
-                <p16:designElem xmlns:p16="http://schemas.microsoft.com/office/powerpoint/2015/main" val="1"/>
-              </p:ext>
-            </p:extLst>
-          </p:nvPr>
-        </p:nvSpPr>
-        <p:spPr>
-          <a:xfrm>
-            <a:off x="0" y="0"/>
-            <a:ext cx="12188952" cy="6858000"/>
-          </a:xfrm>
-          <a:prstGeom prst="rect">
-            <a:avLst/>
-          </a:prstGeom>
-          <a:ln w="12700" cap="flat" cmpd="sng" algn="ctr">
-            <a:noFill/>
-            <a:prstDash val="solid"/>
-            <a:miter lim="800000"/>
-          </a:ln>
-          <a:effectLst/>
-          <a:extLst>
-            <a:ext uri="{91240B29-F687-4F45-9708-019B960494DF}">
-              <a14:hiddenLine xmlns:a14="http://schemas.microsoft.com/office/drawing/2010/main" w="12700" cap="flat" cmpd="sng" algn="ctr">
-                <a:solidFill>
-                  <a:schemeClr val="accent1">
-                    <a:shade val="50000"/>
-                  </a:schemeClr>
-                </a:solidFill>
-                <a:prstDash val="solid"/>
-                <a:miter lim="800000"/>
-              </a14:hiddenLine>
-            </a:ext>
-          </a:extLst>
-        </p:spPr>
-        <p:style>
-          <a:lnRef idx="2">
-            <a:schemeClr val="accent1">
-              <a:shade val="50000"/>
-            </a:schemeClr>
-          </a:lnRef>
-          <a:fillRef idx="1">
-            <a:schemeClr val="accent1"/>
-          </a:fillRef>
-          <a:effectRef idx="0">
-            <a:schemeClr val="accent1"/>
-          </a:effectRef>
-          <a:fontRef idx="minor">
-            <a:schemeClr val="lt1"/>
-          </a:fontRef>
-        </p:style>
-        <p:txBody>
-          <a:bodyPr rtlCol="0" anchor="ctr"/>
-          <a:lstStyle/>
-          <a:p>
-            <a:pPr algn="ctr"/>
-            <a:endParaRPr lang="en-US"/>
-          </a:p>
-        </p:txBody>
-      </p:sp>
-      <p:sp>
-        <p:nvSpPr>
-          <p:cNvPr id="22" name="Rectangle 11">
-            <a:extLst>
-              <a:ext uri="{FF2B5EF4-FFF2-40B4-BE49-F238E27FC236}">
-                <a16:creationId xmlns:a16="http://schemas.microsoft.com/office/drawing/2014/main" id="{CD9FE4EF-C4D8-49A0-B2FF-81D8DB7D8A24}"/>
-              </a:ext>
-              <a:ext uri="{C183D7F6-B498-43B3-948B-1728B52AA6E4}">
-                <adec:decorative xmlns:adec="http://schemas.microsoft.com/office/drawing/2017/decorative" val="1"/>
-              </a:ext>
-            </a:extLst>
-          </p:cNvPr>
-          <p:cNvSpPr>
-            <a:spLocks noGrp="1" noRot="1" noChangeAspect="1" noMove="1" noResize="1" noEditPoints="1" noAdjustHandles="1" noChangeArrowheads="1" noChangeShapeType="1" noTextEdit="1"/>
-          </p:cNvSpPr>
-          <p:nvPr>
-            <p:extLst>
-              <p:ext uri="{386F3935-93C4-4BCD-93E2-E3B085C9AB24}">
-                <p16:designElem xmlns:p16="http://schemas.microsoft.com/office/powerpoint/2015/main" val="1"/>
-              </p:ext>
-            </p:extLst>
-          </p:nvPr>
-        </p:nvSpPr>
-        <p:spPr>
-          <a:xfrm rot="5400000" flipH="1">
-            <a:off x="-1410084" y="1410082"/>
-            <a:ext cx="6858000" cy="4037836"/>
-          </a:xfrm>
-          <a:prstGeom prst="rect">
-            <a:avLst/>
-          </a:prstGeom>
-          <a:gradFill>
-            <a:gsLst>
-              <a:gs pos="8000">
-                <a:srgbClr val="000000"/>
-              </a:gs>
-              <a:gs pos="100000">
-                <a:schemeClr val="accent1">
-                  <a:lumMod val="75000"/>
-                </a:schemeClr>
-              </a:gs>
-            </a:gsLst>
-            <a:lin ang="3000000" scaled="0"/>
-          </a:gradFill>
-          <a:ln>
-            <a:noFill/>
-          </a:ln>
-        </p:spPr>
-        <p:style>
-          <a:lnRef idx="2">
-            <a:schemeClr val="accent1">
-              <a:shade val="50000"/>
-            </a:schemeClr>
-          </a:lnRef>
-          <a:fillRef idx="1">
-            <a:schemeClr val="accent1"/>
-          </a:fillRef>
-          <a:effectRef idx="0">
-            <a:schemeClr val="accent1"/>
-          </a:effectRef>
-          <a:fontRef idx="minor">
-            <a:schemeClr val="lt1"/>
-          </a:fontRef>
-        </p:style>
-        <p:txBody>
-          <a:bodyPr rtlCol="0" anchor="ctr"/>
-          <a:lstStyle/>
-          <a:p>
-            <a:pPr algn="ctr"/>
-            <a:endParaRPr lang="en-US"/>
-          </a:p>
-        </p:txBody>
-      </p:sp>
-      <p:sp>
-        <p:nvSpPr>
-          <p:cNvPr id="23" name="Rectangle 13">
-            <a:extLst>
-              <a:ext uri="{FF2B5EF4-FFF2-40B4-BE49-F238E27FC236}">
-                <a16:creationId xmlns:a16="http://schemas.microsoft.com/office/drawing/2014/main" id="{4300840D-0A0B-4512-BACA-B439D5B9C57C}"/>
-              </a:ext>
-              <a:ext uri="{C183D7F6-B498-43B3-948B-1728B52AA6E4}">
-                <adec:decorative xmlns:adec="http://schemas.microsoft.com/office/drawing/2017/decorative" val="1"/>
-              </a:ext>
-            </a:extLst>
-          </p:cNvPr>
-          <p:cNvSpPr>
-            <a:spLocks noGrp="1" noRot="1" noChangeAspect="1" noMove="1" noResize="1" noEditPoints="1" noAdjustHandles="1" noChangeArrowheads="1" noChangeShapeType="1" noTextEdit="1"/>
-          </p:cNvSpPr>
-          <p:nvPr>
-            <p:extLst>
-              <p:ext uri="{386F3935-93C4-4BCD-93E2-E3B085C9AB24}">
-                <p16:designElem xmlns:p16="http://schemas.microsoft.com/office/powerpoint/2015/main" val="1"/>
-              </p:ext>
-            </p:extLst>
-          </p:nvPr>
-        </p:nvSpPr>
-        <p:spPr>
-          <a:xfrm rot="5400000" flipH="1">
-            <a:off x="-1410085" y="1420219"/>
-            <a:ext cx="6857999" cy="4037839"/>
-          </a:xfrm>
-          <a:prstGeom prst="rect">
-            <a:avLst/>
-          </a:prstGeom>
-          <a:gradFill>
-            <a:gsLst>
-              <a:gs pos="0">
-                <a:srgbClr val="000000">
-                  <a:alpha val="0"/>
-                </a:srgbClr>
-              </a:gs>
-              <a:gs pos="99000">
-                <a:schemeClr val="accent1">
-                  <a:alpha val="46000"/>
-                </a:schemeClr>
-              </a:gs>
-            </a:gsLst>
-            <a:lin ang="1800000" scaled="0"/>
-          </a:gradFill>
-          <a:ln>
-            <a:noFill/>
-          </a:ln>
-        </p:spPr>
-        <p:style>
-          <a:lnRef idx="2">
-            <a:schemeClr val="accent1">
-              <a:shade val="50000"/>
-            </a:schemeClr>
-          </a:lnRef>
-          <a:fillRef idx="1">
-            <a:schemeClr val="accent1"/>
-          </a:fillRef>
-          <a:effectRef idx="0">
-            <a:schemeClr val="accent1"/>
-          </a:effectRef>
-          <a:fontRef idx="minor">
-            <a:schemeClr val="lt1"/>
-          </a:fontRef>
-        </p:style>
-        <p:txBody>
-          <a:bodyPr rtlCol="0" anchor="ctr"/>
-          <a:lstStyle/>
-          <a:p>
-            <a:pPr algn="ctr"/>
-            <a:endParaRPr lang="en-US"/>
-          </a:p>
-        </p:txBody>
-      </p:sp>
-      <p:sp>
-        <p:nvSpPr>
-          <p:cNvPr id="24" name="Rectangle 15">
-            <a:extLst>
-              <a:ext uri="{FF2B5EF4-FFF2-40B4-BE49-F238E27FC236}">
-                <a16:creationId xmlns:a16="http://schemas.microsoft.com/office/drawing/2014/main" id="{D2B78728-A580-49A7-84F9-6EF6F583ADE0}"/>
-              </a:ext>
-              <a:ext uri="{C183D7F6-B498-43B3-948B-1728B52AA6E4}">
-                <adec:decorative xmlns:adec="http://schemas.microsoft.com/office/drawing/2017/decorative" val="1"/>
-              </a:ext>
-            </a:extLst>
-          </p:cNvPr>
-          <p:cNvSpPr>
-            <a:spLocks noGrp="1" noRot="1" noChangeAspect="1" noMove="1" noResize="1" noEditPoints="1" noAdjustHandles="1" noChangeArrowheads="1" noChangeShapeType="1" noTextEdit="1"/>
-          </p:cNvSpPr>
-          <p:nvPr>
-            <p:extLst>
-              <p:ext uri="{386F3935-93C4-4BCD-93E2-E3B085C9AB24}">
-                <p16:designElem xmlns:p16="http://schemas.microsoft.com/office/powerpoint/2015/main" val="1"/>
-              </p:ext>
-            </p:extLst>
-          </p:nvPr>
-        </p:nvSpPr>
-        <p:spPr>
-          <a:xfrm rot="5400000" flipH="1">
-            <a:off x="767923" y="3588085"/>
-            <a:ext cx="2501979" cy="4037841"/>
-          </a:xfrm>
-          <a:prstGeom prst="rect">
-            <a:avLst/>
-          </a:prstGeom>
-          <a:gradFill>
-            <a:gsLst>
-              <a:gs pos="2000">
-                <a:schemeClr val="accent1">
-                  <a:alpha val="29000"/>
-                </a:schemeClr>
-              </a:gs>
-              <a:gs pos="100000">
-                <a:srgbClr val="000000">
-                  <a:alpha val="30000"/>
-                </a:srgbClr>
-              </a:gs>
-            </a:gsLst>
-            <a:lin ang="7800000" scaled="0"/>
-          </a:gradFill>
-          <a:ln>
-            <a:noFill/>
-          </a:ln>
-        </p:spPr>
-        <p:style>
-          <a:lnRef idx="2">
-            <a:schemeClr val="accent1">
-              <a:shade val="50000"/>
-            </a:schemeClr>
-          </a:lnRef>
-          <a:fillRef idx="1">
-            <a:schemeClr val="accent1"/>
-          </a:fillRef>
-          <a:effectRef idx="0">
-            <a:schemeClr val="accent1"/>
-          </a:effectRef>
-          <a:fontRef idx="minor">
-            <a:schemeClr val="lt1"/>
-          </a:fontRef>
-        </p:style>
-        <p:txBody>
-          <a:bodyPr rtlCol="0" anchor="ctr"/>
-          <a:lstStyle/>
-          <a:p>
-            <a:pPr algn="ctr"/>
-            <a:endParaRPr lang="en-US" dirty="0"/>
-          </a:p>
-        </p:txBody>
-      </p:sp>
-      <p:sp>
-        <p:nvSpPr>
-          <p:cNvPr id="18" name="Freeform: Shape 17">
-            <a:extLst>
-              <a:ext uri="{FF2B5EF4-FFF2-40B4-BE49-F238E27FC236}">
-                <a16:creationId xmlns:a16="http://schemas.microsoft.com/office/drawing/2014/main" id="{38FAA1A1-D861-433F-88FA-1E9D6FD31D11}"/>
-              </a:ext>
-              <a:ext uri="{C183D7F6-B498-43B3-948B-1728B52AA6E4}">
-                <adec:decorative xmlns:adec="http://schemas.microsoft.com/office/drawing/2017/decorative" val="1"/>
-              </a:ext>
-            </a:extLst>
-          </p:cNvPr>
-          <p:cNvSpPr>
-            <a:spLocks noGrp="1" noRot="1" noChangeAspect="1" noMove="1" noResize="1" noEditPoints="1" noAdjustHandles="1" noChangeArrowheads="1" noChangeShapeType="1" noTextEdit="1"/>
-          </p:cNvSpPr>
-          <p:nvPr>
-            <p:extLst>
-              <p:ext uri="{386F3935-93C4-4BCD-93E2-E3B085C9AB24}">
-                <p16:designElem xmlns:p16="http://schemas.microsoft.com/office/powerpoint/2015/main" val="1"/>
-              </p:ext>
-            </p:extLst>
-          </p:nvPr>
-        </p:nvSpPr>
-        <p:spPr>
-          <a:xfrm rot="20635413">
-            <a:off x="-501737" y="969718"/>
-            <a:ext cx="3900357" cy="4178958"/>
-          </a:xfrm>
-          <a:custGeom>
-            <a:avLst/>
-            <a:gdLst>
-              <a:gd name="connsiteX0" fmla="*/ 2432225 w 3900357"/>
-              <a:gd name="connsiteY0" fmla="*/ 93939 h 4178958"/>
-              <a:gd name="connsiteX1" fmla="*/ 3900357 w 3900357"/>
-              <a:gd name="connsiteY1" fmla="*/ 2089479 h 4178958"/>
-              <a:gd name="connsiteX2" fmla="*/ 1810878 w 3900357"/>
-              <a:gd name="connsiteY2" fmla="*/ 4178958 h 4178958"/>
-              <a:gd name="connsiteX3" fmla="*/ 78249 w 3900357"/>
-              <a:gd name="connsiteY3" fmla="*/ 3257727 h 4178958"/>
-              <a:gd name="connsiteX4" fmla="*/ 0 w 3900357"/>
-              <a:gd name="connsiteY4" fmla="*/ 3128923 h 4178958"/>
-              <a:gd name="connsiteX5" fmla="*/ 831324 w 3900357"/>
-              <a:gd name="connsiteY5" fmla="*/ 244281 h 4178958"/>
-              <a:gd name="connsiteX6" fmla="*/ 997559 w 3900357"/>
-              <a:gd name="connsiteY6" fmla="*/ 164202 h 4178958"/>
-              <a:gd name="connsiteX7" fmla="*/ 1810878 w 3900357"/>
-              <a:gd name="connsiteY7" fmla="*/ 0 h 4178958"/>
-              <a:gd name="connsiteX8" fmla="*/ 2432225 w 3900357"/>
-              <a:gd name="connsiteY8" fmla="*/ 93939 h 4178958"/>
-            </a:gdLst>
-            <a:ahLst/>
-            <a:cxnLst>
-              <a:cxn ang="0">
-                <a:pos x="connsiteX0" y="connsiteY0"/>
-              </a:cxn>
-              <a:cxn ang="0">
-                <a:pos x="connsiteX1" y="connsiteY1"/>
-              </a:cxn>
-              <a:cxn ang="0">
-                <a:pos x="connsiteX2" y="connsiteY2"/>
-              </a:cxn>
-              <a:cxn ang="0">
-                <a:pos x="connsiteX3" y="connsiteY3"/>
-              </a:cxn>
-              <a:cxn ang="0">
-                <a:pos x="connsiteX4" y="connsiteY4"/>
-              </a:cxn>
-              <a:cxn ang="0">
-                <a:pos x="connsiteX5" y="connsiteY5"/>
-              </a:cxn>
-              <a:cxn ang="0">
-                <a:pos x="connsiteX6" y="connsiteY6"/>
-              </a:cxn>
-              <a:cxn ang="0">
-                <a:pos x="connsiteX7" y="connsiteY7"/>
-              </a:cxn>
-              <a:cxn ang="0">
-                <a:pos x="connsiteX8" y="connsiteY8"/>
-              </a:cxn>
-            </a:cxnLst>
-            <a:rect l="l" t="t" r="r" b="b"/>
-            <a:pathLst>
-              <a:path w="3900357" h="4178958">
-                <a:moveTo>
-                  <a:pt x="2432225" y="93939"/>
-                </a:moveTo>
-                <a:cubicBezTo>
-                  <a:pt x="3282786" y="358491"/>
-                  <a:pt x="3900357" y="1151865"/>
-                  <a:pt x="3900357" y="2089479"/>
-                </a:cubicBezTo>
-                <a:cubicBezTo>
-                  <a:pt x="3900357" y="3243466"/>
-                  <a:pt x="2964865" y="4178958"/>
-                  <a:pt x="1810878" y="4178958"/>
-                </a:cubicBezTo>
-                <a:cubicBezTo>
-                  <a:pt x="1089636" y="4178958"/>
-                  <a:pt x="453744" y="3813531"/>
-                  <a:pt x="78249" y="3257727"/>
-                </a:cubicBezTo>
-                <a:lnTo>
-                  <a:pt x="0" y="3128923"/>
-                </a:lnTo>
-                <a:lnTo>
-                  <a:pt x="831324" y="244281"/>
-                </a:lnTo>
-                <a:lnTo>
-                  <a:pt x="997559" y="164202"/>
-                </a:lnTo>
-                <a:cubicBezTo>
-                  <a:pt x="1247540" y="58468"/>
-                  <a:pt x="1522381" y="0"/>
-                  <a:pt x="1810878" y="0"/>
-                </a:cubicBezTo>
-                <a:cubicBezTo>
-                  <a:pt x="2027251" y="0"/>
-                  <a:pt x="2235942" y="32888"/>
-                  <a:pt x="2432225" y="93939"/>
-                </a:cubicBezTo>
-                <a:close/>
-              </a:path>
-            </a:pathLst>
-          </a:custGeom>
-          <a:gradFill>
-            <a:gsLst>
-              <a:gs pos="29000">
-                <a:srgbClr val="000000">
-                  <a:alpha val="0"/>
-                </a:srgbClr>
-              </a:gs>
-              <a:gs pos="100000">
-                <a:schemeClr val="accent1">
-                  <a:alpha val="43000"/>
-                </a:schemeClr>
-              </a:gs>
-            </a:gsLst>
-            <a:lin ang="1800000" scaled="0"/>
-          </a:gradFill>
-          <a:ln>
-            <a:noFill/>
-          </a:ln>
-        </p:spPr>
-        <p:style>
-          <a:lnRef idx="2">
-            <a:schemeClr val="accent1">
-              <a:shade val="50000"/>
-            </a:schemeClr>
-          </a:lnRef>
-          <a:fillRef idx="1">
-            <a:schemeClr val="accent1"/>
-          </a:fillRef>
-          <a:effectRef idx="0">
-            <a:schemeClr val="accent1"/>
-          </a:effectRef>
-          <a:fontRef idx="minor">
-            <a:schemeClr val="lt1"/>
-          </a:fontRef>
-        </p:style>
-        <p:txBody>
-          <a:bodyPr wrap="square" rtlCol="0" anchor="ctr">
-            <a:noAutofit/>
-          </a:bodyPr>
-          <a:lstStyle/>
-          <a:p>
-            <a:pPr algn="ctr"/>
-            <a:endParaRPr lang="en-US" dirty="0"/>
-          </a:p>
-        </p:txBody>
-      </p:sp>
-      <p:sp>
-        <p:nvSpPr>
-          <p:cNvPr id="20" name="Rectangle 19">
-            <a:extLst>
-              <a:ext uri="{FF2B5EF4-FFF2-40B4-BE49-F238E27FC236}">
-                <a16:creationId xmlns:a16="http://schemas.microsoft.com/office/drawing/2014/main" id="{8D71EDA1-87BF-4D5D-AB79-F346FD19278A}"/>
-              </a:ext>
-              <a:ext uri="{C183D7F6-B498-43B3-948B-1728B52AA6E4}">
-                <adec:decorative xmlns:adec="http://schemas.microsoft.com/office/drawing/2017/decorative" val="1"/>
-              </a:ext>
-            </a:extLst>
-          </p:cNvPr>
-          <p:cNvSpPr>
-            <a:spLocks noGrp="1" noRot="1" noChangeAspect="1" noMove="1" noResize="1" noEditPoints="1" noAdjustHandles="1" noChangeArrowheads="1" noChangeShapeType="1" noTextEdit="1"/>
-          </p:cNvSpPr>
-          <p:nvPr>
-            <p:extLst>
-              <p:ext uri="{386F3935-93C4-4BCD-93E2-E3B085C9AB24}">
-                <p16:designElem xmlns:p16="http://schemas.microsoft.com/office/powerpoint/2015/main" val="1"/>
-              </p:ext>
-            </p:extLst>
-          </p:nvPr>
-        </p:nvSpPr>
-        <p:spPr>
-          <a:xfrm rot="5400000" flipH="1">
-            <a:off x="-1410093" y="1399943"/>
-            <a:ext cx="6858003" cy="4037835"/>
-          </a:xfrm>
-          <a:prstGeom prst="rect">
-            <a:avLst/>
-          </a:prstGeom>
-          <a:gradFill>
-            <a:gsLst>
-              <a:gs pos="0">
-                <a:srgbClr val="000000">
-                  <a:alpha val="0"/>
-                </a:srgbClr>
-              </a:gs>
-              <a:gs pos="99000">
-                <a:schemeClr val="accent1">
-                  <a:lumMod val="60000"/>
-                  <a:lumOff val="40000"/>
-                  <a:alpha val="11000"/>
-                </a:schemeClr>
-              </a:gs>
-            </a:gsLst>
-            <a:lin ang="7200000" scaled="0"/>
-          </a:gradFill>
-          <a:ln>
-            <a:noFill/>
-          </a:ln>
-        </p:spPr>
-        <p:style>
-          <a:lnRef idx="2">
-            <a:schemeClr val="accent1">
-              <a:shade val="50000"/>
-            </a:schemeClr>
-          </a:lnRef>
-          <a:fillRef idx="1">
-            <a:schemeClr val="accent1"/>
-          </a:fillRef>
-          <a:effectRef idx="0">
-            <a:schemeClr val="accent1"/>
-          </a:effectRef>
-          <a:fontRef idx="minor">
-            <a:schemeClr val="lt1"/>
-          </a:fontRef>
-        </p:style>
-        <p:txBody>
-          <a:bodyPr rtlCol="0" anchor="ctr"/>
-          <a:lstStyle/>
-          <a:p>
-            <a:pPr algn="ctr"/>
-            <a:endParaRPr lang="en-US"/>
-          </a:p>
-        </p:txBody>
-      </p:sp>
-      <p:sp>
-        <p:nvSpPr>
-          <p:cNvPr id="2" name="Title 1">
-            <a:extLst>
-              <a:ext uri="{FF2B5EF4-FFF2-40B4-BE49-F238E27FC236}">
-                <a16:creationId xmlns:a16="http://schemas.microsoft.com/office/drawing/2014/main" id="{B8BC65B5-D556-8745-B539-37A1B45FE9EE}"/>
-              </a:ext>
-            </a:extLst>
-          </p:cNvPr>
-          <p:cNvSpPr>
-            <a:spLocks noGrp="1"/>
-          </p:cNvSpPr>
-          <p:nvPr>
-            <p:ph type="title"/>
-          </p:nvPr>
-        </p:nvSpPr>
-        <p:spPr>
-          <a:xfrm>
-            <a:off x="466722" y="586855"/>
-            <a:ext cx="3201366" cy="3387497"/>
-          </a:xfrm>
-        </p:spPr>
-        <p:txBody>
-          <a:bodyPr anchor="b">
-            <a:normAutofit/>
-          </a:bodyPr>
-          <a:lstStyle/>
-          <a:p>
-            <a:pPr algn="ctr"/>
-            <a:r>
-              <a:rPr lang="en-US" sz="4000" dirty="0">
-                <a:solidFill>
-                  <a:srgbClr val="FFFFFF"/>
-                </a:solidFill>
-              </a:rPr>
-              <a:t>Conclusions</a:t>
-            </a:r>
-          </a:p>
-        </p:txBody>
-      </p:sp>
-      <p:sp>
-        <p:nvSpPr>
-          <p:cNvPr id="3" name="Content Placeholder 2">
-            <a:extLst>
-              <a:ext uri="{FF2B5EF4-FFF2-40B4-BE49-F238E27FC236}">
-                <a16:creationId xmlns:a16="http://schemas.microsoft.com/office/drawing/2014/main" id="{89D9A60C-4405-C74E-95F1-2AFE8C5E3559}"/>
-              </a:ext>
-            </a:extLst>
-          </p:cNvPr>
-          <p:cNvSpPr>
-            <a:spLocks noGrp="1"/>
-          </p:cNvSpPr>
-          <p:nvPr>
-            <p:ph idx="1"/>
-          </p:nvPr>
-        </p:nvSpPr>
-        <p:spPr>
-          <a:xfrm>
-            <a:off x="4810259" y="649480"/>
-            <a:ext cx="6555347" cy="5546047"/>
-          </a:xfrm>
-        </p:spPr>
-        <p:txBody>
-          <a:bodyPr anchor="ctr">
-            <a:normAutofit/>
-          </a:bodyPr>
-          <a:lstStyle/>
-          <a:p>
-            <a:r>
-              <a:rPr lang="en-US" sz="2000" dirty="0"/>
-              <a:t>If you live in or near a major urban area things are fairly good already and look like they are keeping track with the rate of growth in the over all car market.</a:t>
-            </a:r>
-          </a:p>
-          <a:p>
-            <a:r>
-              <a:rPr lang="en-US" sz="2000" dirty="0"/>
-              <a:t>If you live in a rural area and don’t have access to your own garage charging, your best bet currently is to either find a nearby level 2 charger, make do with very slow level 1 charging, or figure out how to convince your landlord to let you install a 240 outlet outside to charge from. </a:t>
-            </a:r>
-          </a:p>
-          <a:p>
-            <a:r>
-              <a:rPr lang="en-US" sz="2000" dirty="0"/>
-              <a:t>The “in between” areas need to be filled in with more chargers as the major networks like Tesla and Electrify America expand. </a:t>
-            </a:r>
-          </a:p>
-          <a:p>
-            <a:r>
-              <a:rPr lang="en-US" sz="2000" dirty="0"/>
-              <a:t>More needs to be done to standardize plugs to a standard, probably CCS, so that all cars can use all chargers without adapters.</a:t>
-            </a:r>
-          </a:p>
-        </p:txBody>
-      </p:sp>
-    </p:spTree>
-    <p:extLst>
-      <p:ext uri="{BB962C8B-B14F-4D97-AF65-F5344CB8AC3E}">
-        <p14:creationId xmlns:p14="http://schemas.microsoft.com/office/powerpoint/2010/main" val="3511055574"/>
-      </p:ext>
-    </p:extLst>
-  </p:cSld>
-  <p:clrMapOvr>
-    <a:masterClrMapping/>
-  </p:clrMapOvr>
-</p:sld>
-</file>
-
-<file path=ppt/slides/slide11.xml><?xml version="1.0" encoding="utf-8"?>
-<p:sld xmlns:a="http://schemas.openxmlformats.org/drawingml/2006/main" xmlns:r="http://schemas.openxmlformats.org/officeDocument/2006/relationships" xmlns:p="http://schemas.openxmlformats.org/presentationml/2006/main">
-  <p:cSld>
-    <p:bg>
-      <p:bgPr>
-        <a:solidFill>
-          <a:schemeClr val="bg1"/>
-        </a:solidFill>
-        <a:effectLst/>
-      </p:bgPr>
-    </p:bg>
-    <p:spTree>
-      <p:nvGrpSpPr>
-        <p:cNvPr id="1" name=""/>
-        <p:cNvGrpSpPr/>
-        <p:nvPr/>
-      </p:nvGrpSpPr>
-      <p:grpSpPr>
-        <a:xfrm>
-          <a:off x="0" y="0"/>
-          <a:ext cx="0" cy="0"/>
-          <a:chOff x="0" y="0"/>
-          <a:chExt cx="0" cy="0"/>
-        </a:xfrm>
-      </p:grpSpPr>
-      <p:sp useBgFill="1">
-        <p:nvSpPr>
           <p:cNvPr id="8" name="Rectangle 7">
             <a:extLst>
               <a:ext uri="{FF2B5EF4-FFF2-40B4-BE49-F238E27FC236}">
@@ -5195,6 +4442,759 @@
 </p:sld>
 </file>
 
+<file path=ppt/slides/slide11.xml><?xml version="1.0" encoding="utf-8"?>
+<p:sld xmlns:a="http://schemas.openxmlformats.org/drawingml/2006/main" xmlns:r="http://schemas.openxmlformats.org/officeDocument/2006/relationships" xmlns:p="http://schemas.openxmlformats.org/presentationml/2006/main">
+  <p:cSld>
+    <p:bg>
+      <p:bgPr>
+        <a:solidFill>
+          <a:schemeClr val="bg1"/>
+        </a:solidFill>
+        <a:effectLst/>
+      </p:bgPr>
+    </p:bg>
+    <p:spTree>
+      <p:nvGrpSpPr>
+        <p:cNvPr id="1" name=""/>
+        <p:cNvGrpSpPr/>
+        <p:nvPr/>
+      </p:nvGrpSpPr>
+      <p:grpSpPr>
+        <a:xfrm>
+          <a:off x="0" y="0"/>
+          <a:ext cx="0" cy="0"/>
+          <a:chOff x="0" y="0"/>
+          <a:chExt cx="0" cy="0"/>
+        </a:xfrm>
+      </p:grpSpPr>
+      <p:sp useBgFill="1">
+        <p:nvSpPr>
+          <p:cNvPr id="19" name="Rectangle 7">
+            <a:extLst>
+              <a:ext uri="{FF2B5EF4-FFF2-40B4-BE49-F238E27FC236}">
+                <a16:creationId xmlns:a16="http://schemas.microsoft.com/office/drawing/2014/main" id="{09588DA8-065E-4F6F-8EFD-43104AB2E0CF}"/>
+              </a:ext>
+              <a:ext uri="{C183D7F6-B498-43B3-948B-1728B52AA6E4}">
+                <adec:decorative xmlns:adec="http://schemas.microsoft.com/office/drawing/2017/decorative" val="1"/>
+              </a:ext>
+            </a:extLst>
+          </p:cNvPr>
+          <p:cNvSpPr>
+            <a:spLocks noGrp="1" noRot="1" noChangeAspect="1" noMove="1" noResize="1" noEditPoints="1" noAdjustHandles="1" noChangeArrowheads="1" noChangeShapeType="1" noTextEdit="1"/>
+          </p:cNvSpPr>
+          <p:nvPr>
+            <p:extLst>
+              <p:ext uri="{386F3935-93C4-4BCD-93E2-E3B085C9AB24}">
+                <p16:designElem xmlns:p16="http://schemas.microsoft.com/office/powerpoint/2015/main" val="1"/>
+              </p:ext>
+            </p:extLst>
+          </p:nvPr>
+        </p:nvSpPr>
+        <p:spPr>
+          <a:xfrm>
+            <a:off x="0" y="0"/>
+            <a:ext cx="12192000" cy="6858000"/>
+          </a:xfrm>
+          <a:prstGeom prst="rect">
+            <a:avLst/>
+          </a:prstGeom>
+          <a:ln w="12700" cap="flat" cmpd="sng" algn="ctr">
+            <a:noFill/>
+            <a:prstDash val="solid"/>
+            <a:miter lim="800000"/>
+          </a:ln>
+          <a:effectLst/>
+          <a:extLst>
+            <a:ext uri="{91240B29-F687-4F45-9708-019B960494DF}">
+              <a14:hiddenLine xmlns:a14="http://schemas.microsoft.com/office/drawing/2010/main" w="12700" cap="flat" cmpd="sng" algn="ctr">
+                <a:solidFill>
+                  <a:schemeClr val="accent1">
+                    <a:shade val="50000"/>
+                  </a:schemeClr>
+                </a:solidFill>
+                <a:prstDash val="solid"/>
+                <a:miter lim="800000"/>
+              </a14:hiddenLine>
+            </a:ext>
+          </a:extLst>
+        </p:spPr>
+        <p:style>
+          <a:lnRef idx="2">
+            <a:schemeClr val="accent1">
+              <a:shade val="50000"/>
+            </a:schemeClr>
+          </a:lnRef>
+          <a:fillRef idx="1">
+            <a:schemeClr val="accent1"/>
+          </a:fillRef>
+          <a:effectRef idx="0">
+            <a:schemeClr val="accent1"/>
+          </a:effectRef>
+          <a:fontRef idx="minor">
+            <a:schemeClr val="lt1"/>
+          </a:fontRef>
+        </p:style>
+        <p:txBody>
+          <a:bodyPr rtlCol="0" anchor="ctr"/>
+          <a:lstStyle/>
+          <a:p>
+            <a:pPr algn="ctr"/>
+            <a:endParaRPr lang="en-US"/>
+          </a:p>
+        </p:txBody>
+      </p:sp>
+      <p:sp useBgFill="1">
+        <p:nvSpPr>
+          <p:cNvPr id="21" name="Rectangle 9">
+            <a:extLst>
+              <a:ext uri="{FF2B5EF4-FFF2-40B4-BE49-F238E27FC236}">
+                <a16:creationId xmlns:a16="http://schemas.microsoft.com/office/drawing/2014/main" id="{C4285719-470E-454C-AF62-8323075F1F5B}"/>
+              </a:ext>
+              <a:ext uri="{C183D7F6-B498-43B3-948B-1728B52AA6E4}">
+                <adec:decorative xmlns:adec="http://schemas.microsoft.com/office/drawing/2017/decorative" val="1"/>
+              </a:ext>
+            </a:extLst>
+          </p:cNvPr>
+          <p:cNvSpPr>
+            <a:spLocks noGrp="1" noRot="1" noChangeAspect="1" noMove="1" noResize="1" noEditPoints="1" noAdjustHandles="1" noChangeArrowheads="1" noChangeShapeType="1" noTextEdit="1"/>
+          </p:cNvSpPr>
+          <p:nvPr>
+            <p:extLst>
+              <p:ext uri="{386F3935-93C4-4BCD-93E2-E3B085C9AB24}">
+                <p16:designElem xmlns:p16="http://schemas.microsoft.com/office/powerpoint/2015/main" val="1"/>
+              </p:ext>
+            </p:extLst>
+          </p:nvPr>
+        </p:nvSpPr>
+        <p:spPr>
+          <a:xfrm>
+            <a:off x="0" y="0"/>
+            <a:ext cx="12188952" cy="6858000"/>
+          </a:xfrm>
+          <a:prstGeom prst="rect">
+            <a:avLst/>
+          </a:prstGeom>
+          <a:ln w="12700" cap="flat" cmpd="sng" algn="ctr">
+            <a:noFill/>
+            <a:prstDash val="solid"/>
+            <a:miter lim="800000"/>
+          </a:ln>
+          <a:effectLst/>
+          <a:extLst>
+            <a:ext uri="{91240B29-F687-4F45-9708-019B960494DF}">
+              <a14:hiddenLine xmlns:a14="http://schemas.microsoft.com/office/drawing/2010/main" w="12700" cap="flat" cmpd="sng" algn="ctr">
+                <a:solidFill>
+                  <a:schemeClr val="accent1">
+                    <a:shade val="50000"/>
+                  </a:schemeClr>
+                </a:solidFill>
+                <a:prstDash val="solid"/>
+                <a:miter lim="800000"/>
+              </a14:hiddenLine>
+            </a:ext>
+          </a:extLst>
+        </p:spPr>
+        <p:style>
+          <a:lnRef idx="2">
+            <a:schemeClr val="accent1">
+              <a:shade val="50000"/>
+            </a:schemeClr>
+          </a:lnRef>
+          <a:fillRef idx="1">
+            <a:schemeClr val="accent1"/>
+          </a:fillRef>
+          <a:effectRef idx="0">
+            <a:schemeClr val="accent1"/>
+          </a:effectRef>
+          <a:fontRef idx="minor">
+            <a:schemeClr val="lt1"/>
+          </a:fontRef>
+        </p:style>
+        <p:txBody>
+          <a:bodyPr rtlCol="0" anchor="ctr"/>
+          <a:lstStyle/>
+          <a:p>
+            <a:pPr algn="ctr"/>
+            <a:endParaRPr lang="en-US"/>
+          </a:p>
+        </p:txBody>
+      </p:sp>
+      <p:sp>
+        <p:nvSpPr>
+          <p:cNvPr id="22" name="Rectangle 11">
+            <a:extLst>
+              <a:ext uri="{FF2B5EF4-FFF2-40B4-BE49-F238E27FC236}">
+                <a16:creationId xmlns:a16="http://schemas.microsoft.com/office/drawing/2014/main" id="{CD9FE4EF-C4D8-49A0-B2FF-81D8DB7D8A24}"/>
+              </a:ext>
+              <a:ext uri="{C183D7F6-B498-43B3-948B-1728B52AA6E4}">
+                <adec:decorative xmlns:adec="http://schemas.microsoft.com/office/drawing/2017/decorative" val="1"/>
+              </a:ext>
+            </a:extLst>
+          </p:cNvPr>
+          <p:cNvSpPr>
+            <a:spLocks noGrp="1" noRot="1" noChangeAspect="1" noMove="1" noResize="1" noEditPoints="1" noAdjustHandles="1" noChangeArrowheads="1" noChangeShapeType="1" noTextEdit="1"/>
+          </p:cNvSpPr>
+          <p:nvPr>
+            <p:extLst>
+              <p:ext uri="{386F3935-93C4-4BCD-93E2-E3B085C9AB24}">
+                <p16:designElem xmlns:p16="http://schemas.microsoft.com/office/powerpoint/2015/main" val="1"/>
+              </p:ext>
+            </p:extLst>
+          </p:nvPr>
+        </p:nvSpPr>
+        <p:spPr>
+          <a:xfrm rot="5400000" flipH="1">
+            <a:off x="-1410084" y="1410082"/>
+            <a:ext cx="6858000" cy="4037836"/>
+          </a:xfrm>
+          <a:prstGeom prst="rect">
+            <a:avLst/>
+          </a:prstGeom>
+          <a:gradFill>
+            <a:gsLst>
+              <a:gs pos="8000">
+                <a:srgbClr val="000000"/>
+              </a:gs>
+              <a:gs pos="100000">
+                <a:schemeClr val="accent1">
+                  <a:lumMod val="75000"/>
+                </a:schemeClr>
+              </a:gs>
+            </a:gsLst>
+            <a:lin ang="3000000" scaled="0"/>
+          </a:gradFill>
+          <a:ln>
+            <a:noFill/>
+          </a:ln>
+        </p:spPr>
+        <p:style>
+          <a:lnRef idx="2">
+            <a:schemeClr val="accent1">
+              <a:shade val="50000"/>
+            </a:schemeClr>
+          </a:lnRef>
+          <a:fillRef idx="1">
+            <a:schemeClr val="accent1"/>
+          </a:fillRef>
+          <a:effectRef idx="0">
+            <a:schemeClr val="accent1"/>
+          </a:effectRef>
+          <a:fontRef idx="minor">
+            <a:schemeClr val="lt1"/>
+          </a:fontRef>
+        </p:style>
+        <p:txBody>
+          <a:bodyPr rtlCol="0" anchor="ctr"/>
+          <a:lstStyle/>
+          <a:p>
+            <a:pPr algn="ctr"/>
+            <a:endParaRPr lang="en-US"/>
+          </a:p>
+        </p:txBody>
+      </p:sp>
+      <p:sp>
+        <p:nvSpPr>
+          <p:cNvPr id="23" name="Rectangle 13">
+            <a:extLst>
+              <a:ext uri="{FF2B5EF4-FFF2-40B4-BE49-F238E27FC236}">
+                <a16:creationId xmlns:a16="http://schemas.microsoft.com/office/drawing/2014/main" id="{4300840D-0A0B-4512-BACA-B439D5B9C57C}"/>
+              </a:ext>
+              <a:ext uri="{C183D7F6-B498-43B3-948B-1728B52AA6E4}">
+                <adec:decorative xmlns:adec="http://schemas.microsoft.com/office/drawing/2017/decorative" val="1"/>
+              </a:ext>
+            </a:extLst>
+          </p:cNvPr>
+          <p:cNvSpPr>
+            <a:spLocks noGrp="1" noRot="1" noChangeAspect="1" noMove="1" noResize="1" noEditPoints="1" noAdjustHandles="1" noChangeArrowheads="1" noChangeShapeType="1" noTextEdit="1"/>
+          </p:cNvSpPr>
+          <p:nvPr>
+            <p:extLst>
+              <p:ext uri="{386F3935-93C4-4BCD-93E2-E3B085C9AB24}">
+                <p16:designElem xmlns:p16="http://schemas.microsoft.com/office/powerpoint/2015/main" val="1"/>
+              </p:ext>
+            </p:extLst>
+          </p:nvPr>
+        </p:nvSpPr>
+        <p:spPr>
+          <a:xfrm rot="5400000" flipH="1">
+            <a:off x="-1410085" y="1420219"/>
+            <a:ext cx="6857999" cy="4037839"/>
+          </a:xfrm>
+          <a:prstGeom prst="rect">
+            <a:avLst/>
+          </a:prstGeom>
+          <a:gradFill>
+            <a:gsLst>
+              <a:gs pos="0">
+                <a:srgbClr val="000000">
+                  <a:alpha val="0"/>
+                </a:srgbClr>
+              </a:gs>
+              <a:gs pos="99000">
+                <a:schemeClr val="accent1">
+                  <a:alpha val="46000"/>
+                </a:schemeClr>
+              </a:gs>
+            </a:gsLst>
+            <a:lin ang="1800000" scaled="0"/>
+          </a:gradFill>
+          <a:ln>
+            <a:noFill/>
+          </a:ln>
+        </p:spPr>
+        <p:style>
+          <a:lnRef idx="2">
+            <a:schemeClr val="accent1">
+              <a:shade val="50000"/>
+            </a:schemeClr>
+          </a:lnRef>
+          <a:fillRef idx="1">
+            <a:schemeClr val="accent1"/>
+          </a:fillRef>
+          <a:effectRef idx="0">
+            <a:schemeClr val="accent1"/>
+          </a:effectRef>
+          <a:fontRef idx="minor">
+            <a:schemeClr val="lt1"/>
+          </a:fontRef>
+        </p:style>
+        <p:txBody>
+          <a:bodyPr rtlCol="0" anchor="ctr"/>
+          <a:lstStyle/>
+          <a:p>
+            <a:pPr algn="ctr"/>
+            <a:endParaRPr lang="en-US"/>
+          </a:p>
+        </p:txBody>
+      </p:sp>
+      <p:sp>
+        <p:nvSpPr>
+          <p:cNvPr id="24" name="Rectangle 15">
+            <a:extLst>
+              <a:ext uri="{FF2B5EF4-FFF2-40B4-BE49-F238E27FC236}">
+                <a16:creationId xmlns:a16="http://schemas.microsoft.com/office/drawing/2014/main" id="{D2B78728-A580-49A7-84F9-6EF6F583ADE0}"/>
+              </a:ext>
+              <a:ext uri="{C183D7F6-B498-43B3-948B-1728B52AA6E4}">
+                <adec:decorative xmlns:adec="http://schemas.microsoft.com/office/drawing/2017/decorative" val="1"/>
+              </a:ext>
+            </a:extLst>
+          </p:cNvPr>
+          <p:cNvSpPr>
+            <a:spLocks noGrp="1" noRot="1" noChangeAspect="1" noMove="1" noResize="1" noEditPoints="1" noAdjustHandles="1" noChangeArrowheads="1" noChangeShapeType="1" noTextEdit="1"/>
+          </p:cNvSpPr>
+          <p:nvPr>
+            <p:extLst>
+              <p:ext uri="{386F3935-93C4-4BCD-93E2-E3B085C9AB24}">
+                <p16:designElem xmlns:p16="http://schemas.microsoft.com/office/powerpoint/2015/main" val="1"/>
+              </p:ext>
+            </p:extLst>
+          </p:nvPr>
+        </p:nvSpPr>
+        <p:spPr>
+          <a:xfrm rot="5400000" flipH="1">
+            <a:off x="767923" y="3588085"/>
+            <a:ext cx="2501979" cy="4037841"/>
+          </a:xfrm>
+          <a:prstGeom prst="rect">
+            <a:avLst/>
+          </a:prstGeom>
+          <a:gradFill>
+            <a:gsLst>
+              <a:gs pos="2000">
+                <a:schemeClr val="accent1">
+                  <a:alpha val="29000"/>
+                </a:schemeClr>
+              </a:gs>
+              <a:gs pos="100000">
+                <a:srgbClr val="000000">
+                  <a:alpha val="30000"/>
+                </a:srgbClr>
+              </a:gs>
+            </a:gsLst>
+            <a:lin ang="7800000" scaled="0"/>
+          </a:gradFill>
+          <a:ln>
+            <a:noFill/>
+          </a:ln>
+        </p:spPr>
+        <p:style>
+          <a:lnRef idx="2">
+            <a:schemeClr val="accent1">
+              <a:shade val="50000"/>
+            </a:schemeClr>
+          </a:lnRef>
+          <a:fillRef idx="1">
+            <a:schemeClr val="accent1"/>
+          </a:fillRef>
+          <a:effectRef idx="0">
+            <a:schemeClr val="accent1"/>
+          </a:effectRef>
+          <a:fontRef idx="minor">
+            <a:schemeClr val="lt1"/>
+          </a:fontRef>
+        </p:style>
+        <p:txBody>
+          <a:bodyPr rtlCol="0" anchor="ctr"/>
+          <a:lstStyle/>
+          <a:p>
+            <a:pPr algn="ctr"/>
+            <a:endParaRPr lang="en-US" dirty="0"/>
+          </a:p>
+        </p:txBody>
+      </p:sp>
+      <p:sp>
+        <p:nvSpPr>
+          <p:cNvPr id="18" name="Freeform: Shape 17">
+            <a:extLst>
+              <a:ext uri="{FF2B5EF4-FFF2-40B4-BE49-F238E27FC236}">
+                <a16:creationId xmlns:a16="http://schemas.microsoft.com/office/drawing/2014/main" id="{38FAA1A1-D861-433F-88FA-1E9D6FD31D11}"/>
+              </a:ext>
+              <a:ext uri="{C183D7F6-B498-43B3-948B-1728B52AA6E4}">
+                <adec:decorative xmlns:adec="http://schemas.microsoft.com/office/drawing/2017/decorative" val="1"/>
+              </a:ext>
+            </a:extLst>
+          </p:cNvPr>
+          <p:cNvSpPr>
+            <a:spLocks noGrp="1" noRot="1" noChangeAspect="1" noMove="1" noResize="1" noEditPoints="1" noAdjustHandles="1" noChangeArrowheads="1" noChangeShapeType="1" noTextEdit="1"/>
+          </p:cNvSpPr>
+          <p:nvPr>
+            <p:extLst>
+              <p:ext uri="{386F3935-93C4-4BCD-93E2-E3B085C9AB24}">
+                <p16:designElem xmlns:p16="http://schemas.microsoft.com/office/powerpoint/2015/main" val="1"/>
+              </p:ext>
+            </p:extLst>
+          </p:nvPr>
+        </p:nvSpPr>
+        <p:spPr>
+          <a:xfrm rot="20635413">
+            <a:off x="-501737" y="969718"/>
+            <a:ext cx="3900357" cy="4178958"/>
+          </a:xfrm>
+          <a:custGeom>
+            <a:avLst/>
+            <a:gdLst>
+              <a:gd name="connsiteX0" fmla="*/ 2432225 w 3900357"/>
+              <a:gd name="connsiteY0" fmla="*/ 93939 h 4178958"/>
+              <a:gd name="connsiteX1" fmla="*/ 3900357 w 3900357"/>
+              <a:gd name="connsiteY1" fmla="*/ 2089479 h 4178958"/>
+              <a:gd name="connsiteX2" fmla="*/ 1810878 w 3900357"/>
+              <a:gd name="connsiteY2" fmla="*/ 4178958 h 4178958"/>
+              <a:gd name="connsiteX3" fmla="*/ 78249 w 3900357"/>
+              <a:gd name="connsiteY3" fmla="*/ 3257727 h 4178958"/>
+              <a:gd name="connsiteX4" fmla="*/ 0 w 3900357"/>
+              <a:gd name="connsiteY4" fmla="*/ 3128923 h 4178958"/>
+              <a:gd name="connsiteX5" fmla="*/ 831324 w 3900357"/>
+              <a:gd name="connsiteY5" fmla="*/ 244281 h 4178958"/>
+              <a:gd name="connsiteX6" fmla="*/ 997559 w 3900357"/>
+              <a:gd name="connsiteY6" fmla="*/ 164202 h 4178958"/>
+              <a:gd name="connsiteX7" fmla="*/ 1810878 w 3900357"/>
+              <a:gd name="connsiteY7" fmla="*/ 0 h 4178958"/>
+              <a:gd name="connsiteX8" fmla="*/ 2432225 w 3900357"/>
+              <a:gd name="connsiteY8" fmla="*/ 93939 h 4178958"/>
+            </a:gdLst>
+            <a:ahLst/>
+            <a:cxnLst>
+              <a:cxn ang="0">
+                <a:pos x="connsiteX0" y="connsiteY0"/>
+              </a:cxn>
+              <a:cxn ang="0">
+                <a:pos x="connsiteX1" y="connsiteY1"/>
+              </a:cxn>
+              <a:cxn ang="0">
+                <a:pos x="connsiteX2" y="connsiteY2"/>
+              </a:cxn>
+              <a:cxn ang="0">
+                <a:pos x="connsiteX3" y="connsiteY3"/>
+              </a:cxn>
+              <a:cxn ang="0">
+                <a:pos x="connsiteX4" y="connsiteY4"/>
+              </a:cxn>
+              <a:cxn ang="0">
+                <a:pos x="connsiteX5" y="connsiteY5"/>
+              </a:cxn>
+              <a:cxn ang="0">
+                <a:pos x="connsiteX6" y="connsiteY6"/>
+              </a:cxn>
+              <a:cxn ang="0">
+                <a:pos x="connsiteX7" y="connsiteY7"/>
+              </a:cxn>
+              <a:cxn ang="0">
+                <a:pos x="connsiteX8" y="connsiteY8"/>
+              </a:cxn>
+            </a:cxnLst>
+            <a:rect l="l" t="t" r="r" b="b"/>
+            <a:pathLst>
+              <a:path w="3900357" h="4178958">
+                <a:moveTo>
+                  <a:pt x="2432225" y="93939"/>
+                </a:moveTo>
+                <a:cubicBezTo>
+                  <a:pt x="3282786" y="358491"/>
+                  <a:pt x="3900357" y="1151865"/>
+                  <a:pt x="3900357" y="2089479"/>
+                </a:cubicBezTo>
+                <a:cubicBezTo>
+                  <a:pt x="3900357" y="3243466"/>
+                  <a:pt x="2964865" y="4178958"/>
+                  <a:pt x="1810878" y="4178958"/>
+                </a:cubicBezTo>
+                <a:cubicBezTo>
+                  <a:pt x="1089636" y="4178958"/>
+                  <a:pt x="453744" y="3813531"/>
+                  <a:pt x="78249" y="3257727"/>
+                </a:cubicBezTo>
+                <a:lnTo>
+                  <a:pt x="0" y="3128923"/>
+                </a:lnTo>
+                <a:lnTo>
+                  <a:pt x="831324" y="244281"/>
+                </a:lnTo>
+                <a:lnTo>
+                  <a:pt x="997559" y="164202"/>
+                </a:lnTo>
+                <a:cubicBezTo>
+                  <a:pt x="1247540" y="58468"/>
+                  <a:pt x="1522381" y="0"/>
+                  <a:pt x="1810878" y="0"/>
+                </a:cubicBezTo>
+                <a:cubicBezTo>
+                  <a:pt x="2027251" y="0"/>
+                  <a:pt x="2235942" y="32888"/>
+                  <a:pt x="2432225" y="93939"/>
+                </a:cubicBezTo>
+                <a:close/>
+              </a:path>
+            </a:pathLst>
+          </a:custGeom>
+          <a:gradFill>
+            <a:gsLst>
+              <a:gs pos="29000">
+                <a:srgbClr val="000000">
+                  <a:alpha val="0"/>
+                </a:srgbClr>
+              </a:gs>
+              <a:gs pos="100000">
+                <a:schemeClr val="accent1">
+                  <a:alpha val="43000"/>
+                </a:schemeClr>
+              </a:gs>
+            </a:gsLst>
+            <a:lin ang="1800000" scaled="0"/>
+          </a:gradFill>
+          <a:ln>
+            <a:noFill/>
+          </a:ln>
+        </p:spPr>
+        <p:style>
+          <a:lnRef idx="2">
+            <a:schemeClr val="accent1">
+              <a:shade val="50000"/>
+            </a:schemeClr>
+          </a:lnRef>
+          <a:fillRef idx="1">
+            <a:schemeClr val="accent1"/>
+          </a:fillRef>
+          <a:effectRef idx="0">
+            <a:schemeClr val="accent1"/>
+          </a:effectRef>
+          <a:fontRef idx="minor">
+            <a:schemeClr val="lt1"/>
+          </a:fontRef>
+        </p:style>
+        <p:txBody>
+          <a:bodyPr wrap="square" rtlCol="0" anchor="ctr">
+            <a:noAutofit/>
+          </a:bodyPr>
+          <a:lstStyle/>
+          <a:p>
+            <a:pPr algn="ctr"/>
+            <a:endParaRPr lang="en-US" dirty="0"/>
+          </a:p>
+        </p:txBody>
+      </p:sp>
+      <p:sp>
+        <p:nvSpPr>
+          <p:cNvPr id="20" name="Rectangle 19">
+            <a:extLst>
+              <a:ext uri="{FF2B5EF4-FFF2-40B4-BE49-F238E27FC236}">
+                <a16:creationId xmlns:a16="http://schemas.microsoft.com/office/drawing/2014/main" id="{8D71EDA1-87BF-4D5D-AB79-F346FD19278A}"/>
+              </a:ext>
+              <a:ext uri="{C183D7F6-B498-43B3-948B-1728B52AA6E4}">
+                <adec:decorative xmlns:adec="http://schemas.microsoft.com/office/drawing/2017/decorative" val="1"/>
+              </a:ext>
+            </a:extLst>
+          </p:cNvPr>
+          <p:cNvSpPr>
+            <a:spLocks noGrp="1" noRot="1" noChangeAspect="1" noMove="1" noResize="1" noEditPoints="1" noAdjustHandles="1" noChangeArrowheads="1" noChangeShapeType="1" noTextEdit="1"/>
+          </p:cNvSpPr>
+          <p:nvPr>
+            <p:extLst>
+              <p:ext uri="{386F3935-93C4-4BCD-93E2-E3B085C9AB24}">
+                <p16:designElem xmlns:p16="http://schemas.microsoft.com/office/powerpoint/2015/main" val="1"/>
+              </p:ext>
+            </p:extLst>
+          </p:nvPr>
+        </p:nvSpPr>
+        <p:spPr>
+          <a:xfrm rot="5400000" flipH="1">
+            <a:off x="-1410093" y="1399943"/>
+            <a:ext cx="6858003" cy="4037835"/>
+          </a:xfrm>
+          <a:prstGeom prst="rect">
+            <a:avLst/>
+          </a:prstGeom>
+          <a:gradFill>
+            <a:gsLst>
+              <a:gs pos="0">
+                <a:srgbClr val="000000">
+                  <a:alpha val="0"/>
+                </a:srgbClr>
+              </a:gs>
+              <a:gs pos="99000">
+                <a:schemeClr val="accent1">
+                  <a:lumMod val="60000"/>
+                  <a:lumOff val="40000"/>
+                  <a:alpha val="11000"/>
+                </a:schemeClr>
+              </a:gs>
+            </a:gsLst>
+            <a:lin ang="7200000" scaled="0"/>
+          </a:gradFill>
+          <a:ln>
+            <a:noFill/>
+          </a:ln>
+        </p:spPr>
+        <p:style>
+          <a:lnRef idx="2">
+            <a:schemeClr val="accent1">
+              <a:shade val="50000"/>
+            </a:schemeClr>
+          </a:lnRef>
+          <a:fillRef idx="1">
+            <a:schemeClr val="accent1"/>
+          </a:fillRef>
+          <a:effectRef idx="0">
+            <a:schemeClr val="accent1"/>
+          </a:effectRef>
+          <a:fontRef idx="minor">
+            <a:schemeClr val="lt1"/>
+          </a:fontRef>
+        </p:style>
+        <p:txBody>
+          <a:bodyPr rtlCol="0" anchor="ctr"/>
+          <a:lstStyle/>
+          <a:p>
+            <a:pPr algn="ctr"/>
+            <a:endParaRPr lang="en-US"/>
+          </a:p>
+        </p:txBody>
+      </p:sp>
+      <p:sp>
+        <p:nvSpPr>
+          <p:cNvPr id="2" name="Title 1">
+            <a:extLst>
+              <a:ext uri="{FF2B5EF4-FFF2-40B4-BE49-F238E27FC236}">
+                <a16:creationId xmlns:a16="http://schemas.microsoft.com/office/drawing/2014/main" id="{B8BC65B5-D556-8745-B539-37A1B45FE9EE}"/>
+              </a:ext>
+            </a:extLst>
+          </p:cNvPr>
+          <p:cNvSpPr>
+            <a:spLocks noGrp="1"/>
+          </p:cNvSpPr>
+          <p:nvPr>
+            <p:ph type="title"/>
+          </p:nvPr>
+        </p:nvSpPr>
+        <p:spPr>
+          <a:xfrm>
+            <a:off x="466722" y="586855"/>
+            <a:ext cx="3201366" cy="3387497"/>
+          </a:xfrm>
+        </p:spPr>
+        <p:txBody>
+          <a:bodyPr anchor="b">
+            <a:normAutofit/>
+          </a:bodyPr>
+          <a:lstStyle/>
+          <a:p>
+            <a:pPr algn="ctr"/>
+            <a:r>
+              <a:rPr lang="en-US" sz="4000" dirty="0">
+                <a:solidFill>
+                  <a:srgbClr val="FFFFFF"/>
+                </a:solidFill>
+              </a:rPr>
+              <a:t>Conclusions</a:t>
+            </a:r>
+          </a:p>
+        </p:txBody>
+      </p:sp>
+      <p:sp>
+        <p:nvSpPr>
+          <p:cNvPr id="3" name="Content Placeholder 2">
+            <a:extLst>
+              <a:ext uri="{FF2B5EF4-FFF2-40B4-BE49-F238E27FC236}">
+                <a16:creationId xmlns:a16="http://schemas.microsoft.com/office/drawing/2014/main" id="{89D9A60C-4405-C74E-95F1-2AFE8C5E3559}"/>
+              </a:ext>
+            </a:extLst>
+          </p:cNvPr>
+          <p:cNvSpPr>
+            <a:spLocks noGrp="1"/>
+          </p:cNvSpPr>
+          <p:nvPr>
+            <p:ph idx="1"/>
+          </p:nvPr>
+        </p:nvSpPr>
+        <p:spPr>
+          <a:xfrm>
+            <a:off x="4810259" y="649480"/>
+            <a:ext cx="6555347" cy="5546047"/>
+          </a:xfrm>
+        </p:spPr>
+        <p:txBody>
+          <a:bodyPr anchor="ctr">
+            <a:normAutofit/>
+          </a:bodyPr>
+          <a:lstStyle/>
+          <a:p>
+            <a:r>
+              <a:rPr lang="en-US" sz="2000" dirty="0"/>
+              <a:t>If you live in or near a major urban area things are fairly good already and look like they are keeping track with the rate of growth in the over all car market.</a:t>
+            </a:r>
+          </a:p>
+          <a:p>
+            <a:r>
+              <a:rPr lang="en-US" sz="2000" dirty="0"/>
+              <a:t>If you live in a rural area and don’t have access to your own garage charging, your best bet currently is to either find a nearby level 2 charger, make do with very slow level 1 charging, or figure out how to convince your landlord to let you install a 240 outlet outside to charge from. </a:t>
+            </a:r>
+          </a:p>
+          <a:p>
+            <a:r>
+              <a:rPr lang="en-US" sz="2000" dirty="0"/>
+              <a:t>The “in between” areas need to be filled in with more chargers as the major networks like Tesla and Electrify America expand. </a:t>
+            </a:r>
+          </a:p>
+          <a:p>
+            <a:r>
+              <a:rPr lang="en-US" sz="2000" dirty="0"/>
+              <a:t>More needs to be done to standardize plugs to a standard, probably CCS, so that all cars can use all chargers without adapters.</a:t>
+            </a:r>
+          </a:p>
+        </p:txBody>
+      </p:sp>
+    </p:spTree>
+    <p:extLst>
+      <p:ext uri="{BB962C8B-B14F-4D97-AF65-F5344CB8AC3E}">
+        <p14:creationId xmlns:p14="http://schemas.microsoft.com/office/powerpoint/2010/main" val="3511055574"/>
+      </p:ext>
+    </p:extLst>
+  </p:cSld>
+  <p:clrMapOvr>
+    <a:masterClrMapping/>
+  </p:clrMapOvr>
+</p:sld>
+</file>
+
 <file path=ppt/slides/slide2.xml><?xml version="1.0" encoding="utf-8"?>
 <p:sld xmlns:a="http://schemas.openxmlformats.org/drawingml/2006/main" xmlns:r="http://schemas.openxmlformats.org/officeDocument/2006/relationships" xmlns:p="http://schemas.openxmlformats.org/presentationml/2006/main">
   <p:cSld>
@@ -7271,8 +7271,8 @@
         </p:blipFill>
         <p:spPr>
           <a:xfrm>
-            <a:off x="6305374" y="2218502"/>
-            <a:ext cx="3997637" cy="3997637"/>
+            <a:off x="6214857" y="1576443"/>
+            <a:ext cx="5280567" cy="5280567"/>
           </a:xfrm>
           <a:prstGeom prst="rect">
             <a:avLst/>
@@ -7303,8 +7303,8 @@
         </p:blipFill>
         <p:spPr>
           <a:xfrm>
-            <a:off x="1773165" y="2218308"/>
-            <a:ext cx="3997831" cy="3997831"/>
+            <a:off x="696578" y="1576444"/>
+            <a:ext cx="5280567" cy="5280567"/>
           </a:xfrm>
           <a:prstGeom prst="rect">
             <a:avLst/>
@@ -7680,12 +7680,12 @@
           <a:lstStyle/>
           <a:p>
             <a:r>
-              <a:rPr lang="en-US" sz="4000">
+              <a:rPr lang="en-US" sz="4000" dirty="0">
                 <a:solidFill>
                   <a:srgbClr val="FFFFFF"/>
                 </a:solidFill>
               </a:rPr>
-              <a:t>Electric Only</a:t>
+              <a:t>Electric Vendors</a:t>
             </a:r>
           </a:p>
         </p:txBody>
@@ -7712,8 +7712,8 @@
         </p:blipFill>
         <p:spPr>
           <a:xfrm>
-            <a:off x="95269" y="2029968"/>
-            <a:ext cx="3802152" cy="3802152"/>
+            <a:off x="1086071" y="1332921"/>
+            <a:ext cx="5478722" cy="5478722"/>
           </a:xfrm>
           <a:prstGeom prst="rect">
             <a:avLst/>
@@ -7742,40 +7742,8 @@
         </p:blipFill>
         <p:spPr>
           <a:xfrm>
-            <a:off x="3913202" y="2029969"/>
-            <a:ext cx="3802152" cy="3802152"/>
-          </a:xfrm>
-          <a:prstGeom prst="rect">
-            <a:avLst/>
-          </a:prstGeom>
-        </p:spPr>
-      </p:pic>
-      <p:pic>
-        <p:nvPicPr>
-          <p:cNvPr id="31" name="Content Placeholder 30" descr="Chart, histogram&#10;&#10;Description automatically generated">
-            <a:extLst>
-              <a:ext uri="{FF2B5EF4-FFF2-40B4-BE49-F238E27FC236}">
-                <a16:creationId xmlns:a16="http://schemas.microsoft.com/office/drawing/2014/main" id="{EA5CAA98-547E-954C-94F1-60B79587B670}"/>
-              </a:ext>
-            </a:extLst>
-          </p:cNvPr>
-          <p:cNvPicPr>
-            <a:picLocks noGrp="1" noChangeAspect="1"/>
-          </p:cNvPicPr>
-          <p:nvPr>
-            <p:ph idx="1"/>
-          </p:nvPr>
-        </p:nvPicPr>
-        <p:blipFill>
-          <a:blip r:embed="rId4"/>
-          <a:stretch>
-            <a:fillRect/>
-          </a:stretch>
-        </p:blipFill>
-        <p:spPr>
-          <a:xfrm>
-            <a:off x="7487296" y="2029969"/>
-            <a:ext cx="3802152" cy="3802152"/>
+            <a:off x="6284608" y="1372604"/>
+            <a:ext cx="5478722" cy="5478722"/>
           </a:xfrm>
           <a:prstGeom prst="rect">
             <a:avLst/>
